--- a/평가/08/완.pptx
+++ b/평가/08/완.pptx
@@ -260,7 +260,7 @@
           <a:p>
             <a:fld id="{7E5F5C17-E542-4614-9B25-9FCD0E137E10}" type="datetimeFigureOut">
               <a:rPr lang="ko-KR" altLang="en-US" smtClean="0"/>
-              <a:t>2024-08-29</a:t>
+              <a:t>2024-09-02</a:t>
             </a:fld>
             <a:endParaRPr lang="ko-KR" altLang="en-US"/>
           </a:p>
@@ -442,7 +442,7 @@
           <a:p>
             <a:fld id="{7E5F5C17-E542-4614-9B25-9FCD0E137E10}" type="datetimeFigureOut">
               <a:rPr lang="ko-KR" altLang="en-US" smtClean="0"/>
-              <a:t>2024-08-29</a:t>
+              <a:t>2024-09-02</a:t>
             </a:fld>
             <a:endParaRPr lang="ko-KR" altLang="en-US"/>
           </a:p>
@@ -634,7 +634,7 @@
           <a:p>
             <a:fld id="{7E5F5C17-E542-4614-9B25-9FCD0E137E10}" type="datetimeFigureOut">
               <a:rPr lang="ko-KR" altLang="en-US" smtClean="0"/>
-              <a:t>2024-08-29</a:t>
+              <a:t>2024-09-02</a:t>
             </a:fld>
             <a:endParaRPr lang="ko-KR" altLang="en-US"/>
           </a:p>
@@ -816,7 +816,7 @@
           <a:p>
             <a:fld id="{7E5F5C17-E542-4614-9B25-9FCD0E137E10}" type="datetimeFigureOut">
               <a:rPr lang="ko-KR" altLang="en-US" smtClean="0"/>
-              <a:t>2024-08-29</a:t>
+              <a:t>2024-09-02</a:t>
             </a:fld>
             <a:endParaRPr lang="ko-KR" altLang="en-US"/>
           </a:p>
@@ -1074,7 +1074,7 @@
           <a:p>
             <a:fld id="{7E5F5C17-E542-4614-9B25-9FCD0E137E10}" type="datetimeFigureOut">
               <a:rPr lang="ko-KR" altLang="en-US" smtClean="0"/>
-              <a:t>2024-08-29</a:t>
+              <a:t>2024-09-02</a:t>
             </a:fld>
             <a:endParaRPr lang="ko-KR" altLang="en-US"/>
           </a:p>
@@ -1318,7 +1318,7 @@
           <a:p>
             <a:fld id="{7E5F5C17-E542-4614-9B25-9FCD0E137E10}" type="datetimeFigureOut">
               <a:rPr lang="ko-KR" altLang="en-US" smtClean="0"/>
-              <a:t>2024-08-29</a:t>
+              <a:t>2024-09-02</a:t>
             </a:fld>
             <a:endParaRPr lang="ko-KR" altLang="en-US"/>
           </a:p>
@@ -1697,7 +1697,7 @@
           <a:p>
             <a:fld id="{7E5F5C17-E542-4614-9B25-9FCD0E137E10}" type="datetimeFigureOut">
               <a:rPr lang="ko-KR" altLang="en-US" smtClean="0"/>
-              <a:t>2024-08-29</a:t>
+              <a:t>2024-09-02</a:t>
             </a:fld>
             <a:endParaRPr lang="ko-KR" altLang="en-US"/>
           </a:p>
@@ -1827,7 +1827,7 @@
           <a:p>
             <a:fld id="{7E5F5C17-E542-4614-9B25-9FCD0E137E10}" type="datetimeFigureOut">
               <a:rPr lang="ko-KR" altLang="en-US" smtClean="0"/>
-              <a:t>2024-08-29</a:t>
+              <a:t>2024-09-02</a:t>
             </a:fld>
             <a:endParaRPr lang="ko-KR" altLang="en-US"/>
           </a:p>
@@ -1934,7 +1934,7 @@
           <a:p>
             <a:fld id="{7E5F5C17-E542-4614-9B25-9FCD0E137E10}" type="datetimeFigureOut">
               <a:rPr lang="ko-KR" altLang="en-US" smtClean="0"/>
-              <a:t>2024-08-29</a:t>
+              <a:t>2024-09-02</a:t>
             </a:fld>
             <a:endParaRPr lang="ko-KR" altLang="en-US"/>
           </a:p>
@@ -2223,7 +2223,7 @@
           <a:p>
             <a:fld id="{7E5F5C17-E542-4614-9B25-9FCD0E137E10}" type="datetimeFigureOut">
               <a:rPr lang="ko-KR" altLang="en-US" smtClean="0"/>
-              <a:t>2024-08-29</a:t>
+              <a:t>2024-09-02</a:t>
             </a:fld>
             <a:endParaRPr lang="ko-KR" altLang="en-US"/>
           </a:p>
@@ -2488,7 +2488,7 @@
           <a:p>
             <a:fld id="{7E5F5C17-E542-4614-9B25-9FCD0E137E10}" type="datetimeFigureOut">
               <a:rPr lang="ko-KR" altLang="en-US" smtClean="0"/>
-              <a:t>2024-08-29</a:t>
+              <a:t>2024-09-02</a:t>
             </a:fld>
             <a:endParaRPr lang="ko-KR" altLang="en-US"/>
           </a:p>
@@ -2716,7 +2716,7 @@
           <a:p>
             <a:fld id="{7E5F5C17-E542-4614-9B25-9FCD0E137E10}" type="datetimeFigureOut">
               <a:rPr lang="ko-KR" altLang="en-US" smtClean="0"/>
-              <a:t>2024-08-29</a:t>
+              <a:t>2024-09-02</a:t>
             </a:fld>
             <a:endParaRPr lang="ko-KR" altLang="en-US"/>
           </a:p>
@@ -4517,7 +4517,42 @@
                 <a:latin typeface="나눔바른고딕OTF UltraLight" panose="00000300000000000000" pitchFamily="50" charset="-127"/>
                 <a:ea typeface="나눔바른고딕OTF UltraLight" panose="00000300000000000000" pitchFamily="50" charset="-127"/>
               </a:rPr>
-              <a:t>사용자들이 편리하게 이용 할 수 있도록 지속적인 업데이트를 하고 있는지</a:t>
+              <a:t>사용자들이 편리하게 이용 할 수 있도록 </a:t>
+            </a:r>
+            <a:r>
+              <a:rPr lang="ko-KR" altLang="en-US" dirty="0">
+                <a:latin typeface="나눔바른고딕OTF UltraLight" panose="00000300000000000000" pitchFamily="50" charset="-127"/>
+                <a:ea typeface="나눔바른고딕OTF UltraLight" panose="00000300000000000000" pitchFamily="50" charset="-127"/>
+              </a:rPr>
+              <a:t>지속적인 </a:t>
+            </a:r>
+            <a:r>
+              <a:rPr lang="ko-KR" altLang="en-US" dirty="0" smtClean="0">
+                <a:latin typeface="나눔바른고딕OTF UltraLight" panose="00000300000000000000" pitchFamily="50" charset="-127"/>
+                <a:ea typeface="나눔바른고딕OTF UltraLight" panose="00000300000000000000" pitchFamily="50" charset="-127"/>
+              </a:rPr>
+              <a:t>업</a:t>
+            </a:r>
+            <a:r>
+              <a:rPr lang="ko-KR" altLang="en-US" dirty="0">
+                <a:latin typeface="나눔바른고딕OTF UltraLight" panose="00000300000000000000" pitchFamily="50" charset="-127"/>
+                <a:ea typeface="나눔바른고딕OTF UltraLight" panose="00000300000000000000" pitchFamily="50" charset="-127"/>
+              </a:rPr>
+              <a:t>데</a:t>
+            </a:r>
+            <a:r>
+              <a:rPr lang="ko-KR" altLang="en-US" dirty="0" smtClean="0">
+                <a:latin typeface="나눔바른고딕OTF UltraLight" panose="00000300000000000000" pitchFamily="50" charset="-127"/>
+                <a:ea typeface="나눔바른고딕OTF UltraLight" panose="00000300000000000000" pitchFamily="50" charset="-127"/>
+              </a:rPr>
+              <a:t>이트에 </a:t>
+            </a:r>
+            <a:r>
+              <a:rPr lang="ko-KR" altLang="en-US" dirty="0">
+                <a:latin typeface="나눔바른고딕OTF UltraLight" panose="00000300000000000000" pitchFamily="50" charset="-127"/>
+                <a:ea typeface="나눔바른고딕OTF UltraLight" panose="00000300000000000000" pitchFamily="50" charset="-127"/>
+              </a:rPr>
+              <a:t>무리가 없는지</a:t>
             </a:r>
             <a:r>
               <a:rPr lang="en-US" altLang="ko-KR" dirty="0" smtClean="0">
@@ -6531,7 +6566,7 @@
           <p:nvPr>
             <p:extLst>
               <p:ext uri="{D42A27DB-BD31-4B8C-83A1-F6EECF244321}">
-                <p14:modId xmlns:p14="http://schemas.microsoft.com/office/powerpoint/2010/main" val="783002808"/>
+                <p14:modId xmlns:p14="http://schemas.microsoft.com/office/powerpoint/2010/main" val="175012743"/>
               </p:ext>
             </p:extLst>
           </p:nvPr>
@@ -6770,7 +6805,7 @@
                           <a:latin typeface="나눔스퀘어OTF Light" panose="020B0600000101010101" pitchFamily="34" charset="-127"/>
                           <a:ea typeface="나눔스퀘어OTF Light" panose="020B0600000101010101" pitchFamily="34" charset="-127"/>
                         </a:rPr>
-                        <a:t>Y</a:t>
+                        <a:t>P</a:t>
                       </a:r>
                       <a:endParaRPr lang="ko-KR" altLang="en-US" sz="1800" dirty="0">
                         <a:latin typeface="나눔스퀘어OTF Light" panose="020B0600000101010101" pitchFamily="34" charset="-127"/>
@@ -6959,7 +6994,7 @@
                           <a:latin typeface="나눔스퀘어OTF Light" panose="020B0600000101010101" pitchFamily="34" charset="-127"/>
                           <a:ea typeface="나눔스퀘어OTF Light" panose="020B0600000101010101" pitchFamily="34" charset="-127"/>
                         </a:rPr>
-                        <a:t>B</a:t>
+                        <a:t>A</a:t>
                       </a:r>
                       <a:endParaRPr lang="ko-KR" altLang="en-US" sz="1800" dirty="0">
                         <a:latin typeface="나눔스퀘어OTF Light" panose="020B0600000101010101" pitchFamily="34" charset="-127"/>
@@ -7611,14 +7646,7 @@
                 <a:latin typeface="나눔스퀘어OTF_ac" panose="020B0600000101010101" pitchFamily="34" charset="-127"/>
                 <a:ea typeface="나눔스퀘어OTF_ac" panose="020B0600000101010101" pitchFamily="34" charset="-127"/>
               </a:rPr>
-              <a:t>디자인 </a:t>
-            </a:r>
-            <a:r>
-              <a:rPr lang="ko-KR" altLang="en-US" sz="2400" smtClean="0">
-                <a:latin typeface="나눔스퀘어OTF_ac" panose="020B0600000101010101" pitchFamily="34" charset="-127"/>
-                <a:ea typeface="나눔스퀘어OTF_ac" panose="020B0600000101010101" pitchFamily="34" charset="-127"/>
-              </a:rPr>
-              <a:t>소개</a:t>
+              <a:t>디자인 소개</a:t>
             </a:r>
             <a:endParaRPr lang="en-US" altLang="ko-KR" sz="2400" dirty="0" smtClean="0">
               <a:latin typeface="나눔스퀘어OTF_ac" panose="020B0600000101010101" pitchFamily="34" charset="-127"/>
